--- a/module_1/presentation/Module_1b.pptx
+++ b/module_1/presentation/Module_1b.pptx
@@ -206,7 +206,7 @@
           <a:p>
             <a:fld id="{589044CB-C654-0345-850E-1AA15A0191CA}" type="datetimeFigureOut">
               <a:rPr lang="en-US" smtClean="0"/>
-              <a:t>6/7/21</a:t>
+              <a:t>6/9/21</a:t>
             </a:fld>
             <a:endParaRPr lang="en-US"/>
           </a:p>
@@ -620,7 +620,7 @@
           <a:p>
             <a:fld id="{0BBBC319-22AA-2A42-AC60-5E515AE3E203}" type="datetimeFigureOut">
               <a:rPr lang="en-US" smtClean="0"/>
-              <a:t>6/7/21</a:t>
+              <a:t>6/9/21</a:t>
             </a:fld>
             <a:endParaRPr lang="en-US"/>
           </a:p>
@@ -818,7 +818,7 @@
           <a:p>
             <a:fld id="{0BBBC319-22AA-2A42-AC60-5E515AE3E203}" type="datetimeFigureOut">
               <a:rPr lang="en-US" smtClean="0"/>
-              <a:t>6/7/21</a:t>
+              <a:t>6/9/21</a:t>
             </a:fld>
             <a:endParaRPr lang="en-US"/>
           </a:p>
@@ -1026,7 +1026,7 @@
           <a:p>
             <a:fld id="{0BBBC319-22AA-2A42-AC60-5E515AE3E203}" type="datetimeFigureOut">
               <a:rPr lang="en-US" smtClean="0"/>
-              <a:t>6/7/21</a:t>
+              <a:t>6/9/21</a:t>
             </a:fld>
             <a:endParaRPr lang="en-US"/>
           </a:p>
@@ -1224,7 +1224,7 @@
           <a:p>
             <a:fld id="{0BBBC319-22AA-2A42-AC60-5E515AE3E203}" type="datetimeFigureOut">
               <a:rPr lang="en-US" smtClean="0"/>
-              <a:t>6/7/21</a:t>
+              <a:t>6/9/21</a:t>
             </a:fld>
             <a:endParaRPr lang="en-US"/>
           </a:p>
@@ -1499,7 +1499,7 @@
           <a:p>
             <a:fld id="{0BBBC319-22AA-2A42-AC60-5E515AE3E203}" type="datetimeFigureOut">
               <a:rPr lang="en-US" smtClean="0"/>
-              <a:t>6/7/21</a:t>
+              <a:t>6/9/21</a:t>
             </a:fld>
             <a:endParaRPr lang="en-US"/>
           </a:p>
@@ -1764,7 +1764,7 @@
           <a:p>
             <a:fld id="{0BBBC319-22AA-2A42-AC60-5E515AE3E203}" type="datetimeFigureOut">
               <a:rPr lang="en-US" smtClean="0"/>
-              <a:t>6/7/21</a:t>
+              <a:t>6/9/21</a:t>
             </a:fld>
             <a:endParaRPr lang="en-US"/>
           </a:p>
@@ -2176,7 +2176,7 @@
           <a:p>
             <a:fld id="{0BBBC319-22AA-2A42-AC60-5E515AE3E203}" type="datetimeFigureOut">
               <a:rPr lang="en-US" smtClean="0"/>
-              <a:t>6/7/21</a:t>
+              <a:t>6/9/21</a:t>
             </a:fld>
             <a:endParaRPr lang="en-US"/>
           </a:p>
@@ -2317,7 +2317,7 @@
           <a:p>
             <a:fld id="{0BBBC319-22AA-2A42-AC60-5E515AE3E203}" type="datetimeFigureOut">
               <a:rPr lang="en-US" smtClean="0"/>
-              <a:t>6/7/21</a:t>
+              <a:t>6/9/21</a:t>
             </a:fld>
             <a:endParaRPr lang="en-US"/>
           </a:p>
@@ -2430,7 +2430,7 @@
           <a:p>
             <a:fld id="{0BBBC319-22AA-2A42-AC60-5E515AE3E203}" type="datetimeFigureOut">
               <a:rPr lang="en-US" smtClean="0"/>
-              <a:t>6/7/21</a:t>
+              <a:t>6/9/21</a:t>
             </a:fld>
             <a:endParaRPr lang="en-US"/>
           </a:p>
@@ -2741,7 +2741,7 @@
           <a:p>
             <a:fld id="{0BBBC319-22AA-2A42-AC60-5E515AE3E203}" type="datetimeFigureOut">
               <a:rPr lang="en-US" smtClean="0"/>
-              <a:t>6/7/21</a:t>
+              <a:t>6/9/21</a:t>
             </a:fld>
             <a:endParaRPr lang="en-US"/>
           </a:p>
@@ -3029,7 +3029,7 @@
           <a:p>
             <a:fld id="{0BBBC319-22AA-2A42-AC60-5E515AE3E203}" type="datetimeFigureOut">
               <a:rPr lang="en-US" smtClean="0"/>
-              <a:t>6/7/21</a:t>
+              <a:t>6/9/21</a:t>
             </a:fld>
             <a:endParaRPr lang="en-US"/>
           </a:p>
@@ -3270,7 +3270,7 @@
           <a:p>
             <a:fld id="{0BBBC319-22AA-2A42-AC60-5E515AE3E203}" type="datetimeFigureOut">
               <a:rPr lang="en-US" smtClean="0"/>
-              <a:t>6/7/21</a:t>
+              <a:t>6/9/21</a:t>
             </a:fld>
             <a:endParaRPr lang="en-US"/>
           </a:p>
@@ -5926,7 +5926,7 @@
         <p:spPr>
           <a:xfrm>
             <a:off x="122045" y="816350"/>
-            <a:ext cx="1577446" cy="1846659"/>
+            <a:ext cx="1577446" cy="2215991"/>
           </a:xfrm>
           <a:prstGeom prst="rect">
             <a:avLst/>
@@ -5964,7 +5964,7 @@
               <a:buChar char="•"/>
             </a:pPr>
             <a:r>
-              <a:rPr lang="en-US" sz="1200" dirty="0">
+              <a:rPr lang="en-US" sz="1200" b="1" dirty="0">
                 <a:latin typeface="Arial Nova" panose="020F0502020204030204" pitchFamily="34" charset="0"/>
               </a:rPr>
               <a:t>Introduction</a:t>
@@ -6003,7 +6003,31 @@
               <a:rPr lang="en-US" sz="1200" dirty="0">
                 <a:latin typeface="Arial Nova" panose="020F0502020204030204" pitchFamily="34" charset="0"/>
               </a:rPr>
-              <a:t>Maximum projection</a:t>
+              <a:t>Diffusion</a:t>
+            </a:r>
+          </a:p>
+          <a:p>
+            <a:pPr marL="171450" indent="-171450">
+              <a:buFont typeface="Arial" panose="020B0604020202020204" pitchFamily="34" charset="0"/>
+              <a:buChar char="•"/>
+            </a:pPr>
+            <a:r>
+              <a:rPr lang="en-US" sz="1200" dirty="0">
+                <a:latin typeface="Arial Nova" panose="020F0502020204030204" pitchFamily="34" charset="0"/>
+              </a:rPr>
+              <a:t>Complex Scenarios</a:t>
+            </a:r>
+          </a:p>
+          <a:p>
+            <a:pPr marL="171450" indent="-171450">
+              <a:buFont typeface="Arial" panose="020B0604020202020204" pitchFamily="34" charset="0"/>
+              <a:buChar char="•"/>
+            </a:pPr>
+            <a:r>
+              <a:rPr lang="en-US" sz="1200">
+                <a:latin typeface="Arial Nova" panose="020F0502020204030204" pitchFamily="34" charset="0"/>
+              </a:rPr>
+              <a:t>Libraries</a:t>
             </a:r>
           </a:p>
           <a:p>
@@ -12121,8 +12145,8 @@
           </a:p>
         </p:txBody>
       </p:sp>
-      <mc:AlternateContent xmlns:mc="http://schemas.openxmlformats.org/markup-compatibility/2006">
-        <mc:Choice xmlns:a14="http://schemas.microsoft.com/office/drawing/2010/main" Requires="a14">
+      <mc:AlternateContent xmlns:mc="http://schemas.openxmlformats.org/markup-compatibility/2006" xmlns:a14="http://schemas.microsoft.com/office/drawing/2010/main">
+        <mc:Choice Requires="a14">
           <p:sp>
             <p:nvSpPr>
               <p:cNvPr id="13" name="TextBox 12">
@@ -12151,6 +12175,7 @@
               </a:bodyPr>
               <a:lstStyle/>
               <a:p>
+                <a:pPr/>
                 <a14:m>
                   <m:oMathPara xmlns:m="http://schemas.openxmlformats.org/officeDocument/2006/math">
                     <m:oMathParaPr>
@@ -12247,7 +12272,7 @@
             </p:txBody>
           </p:sp>
         </mc:Choice>
-        <mc:Fallback>
+        <mc:Fallback xmlns="">
           <p:sp>
             <p:nvSpPr>
               <p:cNvPr id="13" name="TextBox 12">
@@ -12292,8 +12317,8 @@
           </p:sp>
         </mc:Fallback>
       </mc:AlternateContent>
-      <mc:AlternateContent xmlns:mc="http://schemas.openxmlformats.org/markup-compatibility/2006">
-        <mc:Choice xmlns:a14="http://schemas.microsoft.com/office/drawing/2010/main" Requires="a14">
+      <mc:AlternateContent xmlns:mc="http://schemas.openxmlformats.org/markup-compatibility/2006" xmlns:a14="http://schemas.microsoft.com/office/drawing/2010/main">
+        <mc:Choice Requires="a14">
           <p:sp>
             <p:nvSpPr>
               <p:cNvPr id="17" name="TextBox 16">
@@ -12322,6 +12347,7 @@
               </a:bodyPr>
               <a:lstStyle/>
               <a:p>
+                <a:pPr/>
                 <a14:m>
                   <m:oMathPara xmlns:m="http://schemas.openxmlformats.org/officeDocument/2006/math">
                     <m:oMathParaPr>
@@ -12418,7 +12444,7 @@
             </p:txBody>
           </p:sp>
         </mc:Choice>
-        <mc:Fallback>
+        <mc:Fallback xmlns="">
           <p:sp>
             <p:nvSpPr>
               <p:cNvPr id="17" name="TextBox 16">

--- a/module_1/presentation/Module_1b.pptx
+++ b/module_1/presentation/Module_1b.pptx
@@ -5964,7 +5964,7 @@
               <a:buChar char="•"/>
             </a:pPr>
             <a:r>
-              <a:rPr lang="en-US" sz="1200" b="1" dirty="0">
+              <a:rPr lang="en-US" sz="1200" dirty="0">
                 <a:latin typeface="Arial Nova" panose="020F0502020204030204" pitchFamily="34" charset="0"/>
               </a:rPr>
               <a:t>Introduction</a:t>
@@ -6024,7 +6024,7 @@
               <a:buChar char="•"/>
             </a:pPr>
             <a:r>
-              <a:rPr lang="en-US" sz="1200">
+              <a:rPr lang="en-US" sz="1200" dirty="0">
                 <a:latin typeface="Arial Nova" panose="020F0502020204030204" pitchFamily="34" charset="0"/>
               </a:rPr>
               <a:t>Libraries</a:t>
@@ -6129,10 +6129,10 @@
       </p:sp>
       <p:pic>
         <p:nvPicPr>
-          <p:cNvPr id="11" name="Picture 10">
+          <p:cNvPr id="3" name="Picture 2">
             <a:extLst>
               <a:ext uri="{FF2B5EF4-FFF2-40B4-BE49-F238E27FC236}">
-                <a16:creationId xmlns:a16="http://schemas.microsoft.com/office/drawing/2014/main" id="{5DE4577D-3961-5043-B43D-E7157CBC2BA6}"/>
+                <a16:creationId xmlns:a16="http://schemas.microsoft.com/office/drawing/2014/main" id="{EBD24552-CA7E-E043-A217-F2526C98AB0E}"/>
               </a:ext>
             </a:extLst>
           </p:cNvPr>
@@ -6149,8 +6149,8 @@
         </p:blipFill>
         <p:spPr>
           <a:xfrm>
-            <a:off x="1800226" y="2376069"/>
-            <a:ext cx="10391774" cy="2824175"/>
+            <a:off x="2054760" y="2298326"/>
+            <a:ext cx="9920245" cy="3703431"/>
           </a:xfrm>
           <a:prstGeom prst="rect">
             <a:avLst/>
@@ -6171,8 +6171,8 @@
         </p:nvSpPr>
         <p:spPr>
           <a:xfrm>
-            <a:off x="2614613" y="4414838"/>
-            <a:ext cx="7072312" cy="342900"/>
+            <a:off x="3158836" y="4667001"/>
+            <a:ext cx="5533902" cy="914402"/>
           </a:xfrm>
           <a:prstGeom prst="rect">
             <a:avLst/>

--- a/module_1/presentation/Module_1b.pptx
+++ b/module_1/presentation/Module_1b.pptx
@@ -13383,7 +13383,23 @@
                   <a:srgbClr val="22289A"/>
                 </a:solidFill>
               </a:rPr>
-              <a:t>Particle tracking procedure (2 step process)</a:t>
+              <a:t>Particle </a:t>
+            </a:r>
+            <a:r>
+              <a:rPr lang="en-US" sz="2800" b="1">
+                <a:solidFill>
+                  <a:srgbClr val="22289A"/>
+                </a:solidFill>
+              </a:rPr>
+              <a:t>tracking (</a:t>
+            </a:r>
+            <a:r>
+              <a:rPr lang="en-US" sz="2800" b="1" dirty="0">
+                <a:solidFill>
+                  <a:srgbClr val="22289A"/>
+                </a:solidFill>
+              </a:rPr>
+              <a:t>2 step process)</a:t>
             </a:r>
           </a:p>
         </p:txBody>

--- a/module_1/presentation/Module_1b.pptx
+++ b/module_1/presentation/Module_1b.pptx
@@ -5,7 +5,7 @@
     <p:sldMasterId id="2147483648" r:id="rId1"/>
   </p:sldMasterIdLst>
   <p:notesMasterIdLst>
-    <p:notesMasterId r:id="rId12"/>
+    <p:notesMasterId r:id="rId13"/>
   </p:notesMasterIdLst>
   <p:sldIdLst>
     <p:sldId id="258" r:id="rId2"/>
@@ -18,6 +18,7 @@
     <p:sldId id="284" r:id="rId9"/>
     <p:sldId id="285" r:id="rId10"/>
     <p:sldId id="286" r:id="rId11"/>
+    <p:sldId id="287" r:id="rId12"/>
   </p:sldIdLst>
   <p:sldSz cx="12192000" cy="6858000"/>
   <p:notesSz cx="6858000" cy="9144000"/>
@@ -5182,6 +5183,1292 @@
     <p:extLst>
       <p:ext uri="{BB962C8B-B14F-4D97-AF65-F5344CB8AC3E}">
         <p14:creationId xmlns:p14="http://schemas.microsoft.com/office/powerpoint/2010/main" val="3491997138"/>
+      </p:ext>
+    </p:extLst>
+  </p:cSld>
+  <p:clrMapOvr>
+    <a:masterClrMapping/>
+  </p:clrMapOvr>
+</p:sld>
+</file>
+
+<file path=ppt/slides/slide11.xml><?xml version="1.0" encoding="utf-8"?>
+<p:sld xmlns:a="http://schemas.openxmlformats.org/drawingml/2006/main" xmlns:r="http://schemas.openxmlformats.org/officeDocument/2006/relationships" xmlns:p="http://schemas.openxmlformats.org/presentationml/2006/main">
+  <p:cSld>
+    <p:spTree>
+      <p:nvGrpSpPr>
+        <p:cNvPr id="1" name=""/>
+        <p:cNvGrpSpPr/>
+        <p:nvPr/>
+      </p:nvGrpSpPr>
+      <p:grpSpPr>
+        <a:xfrm>
+          <a:off x="0" y="0"/>
+          <a:ext cx="0" cy="0"/>
+          <a:chOff x="0" y="0"/>
+          <a:chExt cx="0" cy="0"/>
+        </a:xfrm>
+      </p:grpSpPr>
+      <p:sp>
+        <p:nvSpPr>
+          <p:cNvPr id="2" name="Rectangle 1">
+            <a:extLst>
+              <a:ext uri="{FF2B5EF4-FFF2-40B4-BE49-F238E27FC236}">
+                <a16:creationId xmlns:a16="http://schemas.microsoft.com/office/drawing/2014/main" id="{BE29CBF1-0999-934D-9DE2-A920C68E8D03}"/>
+              </a:ext>
+            </a:extLst>
+          </p:cNvPr>
+          <p:cNvSpPr/>
+          <p:nvPr/>
+        </p:nvSpPr>
+        <p:spPr>
+          <a:xfrm>
+            <a:off x="0" y="48338"/>
+            <a:ext cx="11890515" cy="584775"/>
+          </a:xfrm>
+          <a:prstGeom prst="rect">
+            <a:avLst/>
+          </a:prstGeom>
+        </p:spPr>
+        <p:txBody>
+          <a:bodyPr wrap="square">
+            <a:spAutoFit/>
+          </a:bodyPr>
+          <a:lstStyle/>
+          <a:p>
+            <a:r>
+              <a:rPr lang="en-US" sz="3200" b="1" dirty="0">
+                <a:solidFill>
+                  <a:srgbClr val="0D5427"/>
+                </a:solidFill>
+                <a:latin typeface="Arial Nova" panose="020B0504020202020204" pitchFamily="34" charset="0"/>
+              </a:rPr>
+              <a:t>Libraries</a:t>
+            </a:r>
+            <a:endParaRPr lang="en-US" sz="1600" dirty="0">
+              <a:solidFill>
+                <a:srgbClr val="0D5427"/>
+              </a:solidFill>
+              <a:latin typeface="Arial Nova" panose="020B0504020202020204" pitchFamily="34" charset="0"/>
+            </a:endParaRPr>
+          </a:p>
+        </p:txBody>
+      </p:sp>
+      <p:pic>
+        <p:nvPicPr>
+          <p:cNvPr id="5" name="Picture 4">
+            <a:extLst>
+              <a:ext uri="{FF2B5EF4-FFF2-40B4-BE49-F238E27FC236}">
+                <a16:creationId xmlns:a16="http://schemas.microsoft.com/office/drawing/2014/main" id="{4934A38C-41E7-F34D-9F1E-FAA14A1CE066}"/>
+              </a:ext>
+            </a:extLst>
+          </p:cNvPr>
+          <p:cNvPicPr>
+            <a:picLocks noChangeAspect="1"/>
+          </p:cNvPicPr>
+          <p:nvPr/>
+        </p:nvPicPr>
+        <p:blipFill>
+          <a:blip r:embed="rId2"/>
+          <a:stretch>
+            <a:fillRect/>
+          </a:stretch>
+        </p:blipFill>
+        <p:spPr>
+          <a:xfrm>
+            <a:off x="10235560" y="65922"/>
+            <a:ext cx="1758222" cy="553839"/>
+          </a:xfrm>
+          <a:prstGeom prst="rect">
+            <a:avLst/>
+          </a:prstGeom>
+        </p:spPr>
+      </p:pic>
+      <p:sp>
+        <p:nvSpPr>
+          <p:cNvPr id="6" name="Rounded Rectangle 5">
+            <a:extLst>
+              <a:ext uri="{FF2B5EF4-FFF2-40B4-BE49-F238E27FC236}">
+                <a16:creationId xmlns:a16="http://schemas.microsoft.com/office/drawing/2014/main" id="{D417003F-7960-F14A-99DE-574BCA69C207}"/>
+              </a:ext>
+            </a:extLst>
+          </p:cNvPr>
+          <p:cNvSpPr/>
+          <p:nvPr/>
+        </p:nvSpPr>
+        <p:spPr>
+          <a:xfrm>
+            <a:off x="103267" y="663780"/>
+            <a:ext cx="11871738" cy="45719"/>
+          </a:xfrm>
+          <a:prstGeom prst="roundRect">
+            <a:avLst/>
+          </a:prstGeom>
+          <a:solidFill>
+            <a:srgbClr val="0D5427"/>
+          </a:solidFill>
+          <a:ln>
+            <a:solidFill>
+              <a:srgbClr val="0D5427"/>
+            </a:solidFill>
+          </a:ln>
+        </p:spPr>
+        <p:style>
+          <a:lnRef idx="2">
+            <a:schemeClr val="accent1">
+              <a:shade val="50000"/>
+            </a:schemeClr>
+          </a:lnRef>
+          <a:fillRef idx="1">
+            <a:schemeClr val="accent1"/>
+          </a:fillRef>
+          <a:effectRef idx="0">
+            <a:schemeClr val="accent1"/>
+          </a:effectRef>
+          <a:fontRef idx="minor">
+            <a:schemeClr val="lt1"/>
+          </a:fontRef>
+        </p:style>
+        <p:txBody>
+          <a:bodyPr rtlCol="0" anchor="ctr"/>
+          <a:lstStyle/>
+          <a:p>
+            <a:pPr algn="ctr"/>
+            <a:endParaRPr lang="en-US">
+              <a:solidFill>
+                <a:srgbClr val="0D5427"/>
+              </a:solidFill>
+            </a:endParaRPr>
+          </a:p>
+        </p:txBody>
+      </p:sp>
+      <p:sp>
+        <p:nvSpPr>
+          <p:cNvPr id="7" name="Rectangle 6">
+            <a:extLst>
+              <a:ext uri="{FF2B5EF4-FFF2-40B4-BE49-F238E27FC236}">
+                <a16:creationId xmlns:a16="http://schemas.microsoft.com/office/drawing/2014/main" id="{ED3371D4-399C-4536-891A-01B2862ACA10}"/>
+              </a:ext>
+            </a:extLst>
+          </p:cNvPr>
+          <p:cNvSpPr/>
+          <p:nvPr/>
+        </p:nvSpPr>
+        <p:spPr>
+          <a:xfrm>
+            <a:off x="122045" y="816350"/>
+            <a:ext cx="1577446" cy="5943615"/>
+          </a:xfrm>
+          <a:prstGeom prst="rect">
+            <a:avLst/>
+          </a:prstGeom>
+          <a:solidFill>
+            <a:schemeClr val="accent4">
+              <a:lumMod val="20000"/>
+              <a:lumOff val="80000"/>
+              <a:alpha val="50000"/>
+            </a:schemeClr>
+          </a:solidFill>
+          <a:ln w="22225" cmpd="sng">
+            <a:solidFill>
+              <a:srgbClr val="13582C">
+                <a:alpha val="99000"/>
+              </a:srgbClr>
+            </a:solidFill>
+            <a:extLst>
+              <a:ext uri="{C807C97D-BFC1-408E-A445-0C87EB9F89A2}">
+                <ask:lineSketchStyleProps xmlns:ask="http://schemas.microsoft.com/office/drawing/2018/sketchyshapes" sd="1219033472">
+                  <a:custGeom>
+                    <a:avLst/>
+                    <a:gdLst>
+                      <a:gd name="connsiteX0" fmla="*/ 0 w 2116836"/>
+                      <a:gd name="connsiteY0" fmla="*/ 0 h 6261206"/>
+                      <a:gd name="connsiteX1" fmla="*/ 550377 w 2116836"/>
+                      <a:gd name="connsiteY1" fmla="*/ 0 h 6261206"/>
+                      <a:gd name="connsiteX2" fmla="*/ 1058418 w 2116836"/>
+                      <a:gd name="connsiteY2" fmla="*/ 0 h 6261206"/>
+                      <a:gd name="connsiteX3" fmla="*/ 1587627 w 2116836"/>
+                      <a:gd name="connsiteY3" fmla="*/ 0 h 6261206"/>
+                      <a:gd name="connsiteX4" fmla="*/ 2116836 w 2116836"/>
+                      <a:gd name="connsiteY4" fmla="*/ 0 h 6261206"/>
+                      <a:gd name="connsiteX5" fmla="*/ 2116836 w 2116836"/>
+                      <a:gd name="connsiteY5" fmla="*/ 443976 h 6261206"/>
+                      <a:gd name="connsiteX6" fmla="*/ 2116836 w 2116836"/>
+                      <a:gd name="connsiteY6" fmla="*/ 825341 h 6261206"/>
+                      <a:gd name="connsiteX7" fmla="*/ 2116836 w 2116836"/>
+                      <a:gd name="connsiteY7" fmla="*/ 1269317 h 6261206"/>
+                      <a:gd name="connsiteX8" fmla="*/ 2116836 w 2116836"/>
+                      <a:gd name="connsiteY8" fmla="*/ 1775906 h 6261206"/>
+                      <a:gd name="connsiteX9" fmla="*/ 2116836 w 2116836"/>
+                      <a:gd name="connsiteY9" fmla="*/ 2345106 h 6261206"/>
+                      <a:gd name="connsiteX10" fmla="*/ 2116836 w 2116836"/>
+                      <a:gd name="connsiteY10" fmla="*/ 2789083 h 6261206"/>
+                      <a:gd name="connsiteX11" fmla="*/ 2116836 w 2116836"/>
+                      <a:gd name="connsiteY11" fmla="*/ 3483507 h 6261206"/>
+                      <a:gd name="connsiteX12" fmla="*/ 2116836 w 2116836"/>
+                      <a:gd name="connsiteY12" fmla="*/ 4052708 h 6261206"/>
+                      <a:gd name="connsiteX13" fmla="*/ 2116836 w 2116836"/>
+                      <a:gd name="connsiteY13" fmla="*/ 4747133 h 6261206"/>
+                      <a:gd name="connsiteX14" fmla="*/ 2116836 w 2116836"/>
+                      <a:gd name="connsiteY14" fmla="*/ 5378945 h 6261206"/>
+                      <a:gd name="connsiteX15" fmla="*/ 2116836 w 2116836"/>
+                      <a:gd name="connsiteY15" fmla="*/ 6261206 h 6261206"/>
+                      <a:gd name="connsiteX16" fmla="*/ 1566459 w 2116836"/>
+                      <a:gd name="connsiteY16" fmla="*/ 6261206 h 6261206"/>
+                      <a:gd name="connsiteX17" fmla="*/ 1016081 w 2116836"/>
+                      <a:gd name="connsiteY17" fmla="*/ 6261206 h 6261206"/>
+                      <a:gd name="connsiteX18" fmla="*/ 486872 w 2116836"/>
+                      <a:gd name="connsiteY18" fmla="*/ 6261206 h 6261206"/>
+                      <a:gd name="connsiteX19" fmla="*/ 0 w 2116836"/>
+                      <a:gd name="connsiteY19" fmla="*/ 6261206 h 6261206"/>
+                      <a:gd name="connsiteX20" fmla="*/ 0 w 2116836"/>
+                      <a:gd name="connsiteY20" fmla="*/ 5566781 h 6261206"/>
+                      <a:gd name="connsiteX21" fmla="*/ 0 w 2116836"/>
+                      <a:gd name="connsiteY21" fmla="*/ 4872357 h 6261206"/>
+                      <a:gd name="connsiteX22" fmla="*/ 0 w 2116836"/>
+                      <a:gd name="connsiteY22" fmla="*/ 4303156 h 6261206"/>
+                      <a:gd name="connsiteX23" fmla="*/ 0 w 2116836"/>
+                      <a:gd name="connsiteY23" fmla="*/ 3671344 h 6261206"/>
+                      <a:gd name="connsiteX24" fmla="*/ 0 w 2116836"/>
+                      <a:gd name="connsiteY24" fmla="*/ 3102143 h 6261206"/>
+                      <a:gd name="connsiteX25" fmla="*/ 0 w 2116836"/>
+                      <a:gd name="connsiteY25" fmla="*/ 2532942 h 6261206"/>
+                      <a:gd name="connsiteX26" fmla="*/ 0 w 2116836"/>
+                      <a:gd name="connsiteY26" fmla="*/ 1963742 h 6261206"/>
+                      <a:gd name="connsiteX27" fmla="*/ 0 w 2116836"/>
+                      <a:gd name="connsiteY27" fmla="*/ 1582378 h 6261206"/>
+                      <a:gd name="connsiteX28" fmla="*/ 0 w 2116836"/>
+                      <a:gd name="connsiteY28" fmla="*/ 950565 h 6261206"/>
+                      <a:gd name="connsiteX29" fmla="*/ 0 w 2116836"/>
+                      <a:gd name="connsiteY29" fmla="*/ 569201 h 6261206"/>
+                      <a:gd name="connsiteX30" fmla="*/ 0 w 2116836"/>
+                      <a:gd name="connsiteY30" fmla="*/ 0 h 6261206"/>
+                    </a:gdLst>
+                    <a:ahLst/>
+                    <a:cxnLst>
+                      <a:cxn ang="0">
+                        <a:pos x="connsiteX0" y="connsiteY0"/>
+                      </a:cxn>
+                      <a:cxn ang="0">
+                        <a:pos x="connsiteX1" y="connsiteY1"/>
+                      </a:cxn>
+                      <a:cxn ang="0">
+                        <a:pos x="connsiteX2" y="connsiteY2"/>
+                      </a:cxn>
+                      <a:cxn ang="0">
+                        <a:pos x="connsiteX3" y="connsiteY3"/>
+                      </a:cxn>
+                      <a:cxn ang="0">
+                        <a:pos x="connsiteX4" y="connsiteY4"/>
+                      </a:cxn>
+                      <a:cxn ang="0">
+                        <a:pos x="connsiteX5" y="connsiteY5"/>
+                      </a:cxn>
+                      <a:cxn ang="0">
+                        <a:pos x="connsiteX6" y="connsiteY6"/>
+                      </a:cxn>
+                      <a:cxn ang="0">
+                        <a:pos x="connsiteX7" y="connsiteY7"/>
+                      </a:cxn>
+                      <a:cxn ang="0">
+                        <a:pos x="connsiteX8" y="connsiteY8"/>
+                      </a:cxn>
+                      <a:cxn ang="0">
+                        <a:pos x="connsiteX9" y="connsiteY9"/>
+                      </a:cxn>
+                      <a:cxn ang="0">
+                        <a:pos x="connsiteX10" y="connsiteY10"/>
+                      </a:cxn>
+                      <a:cxn ang="0">
+                        <a:pos x="connsiteX11" y="connsiteY11"/>
+                      </a:cxn>
+                      <a:cxn ang="0">
+                        <a:pos x="connsiteX12" y="connsiteY12"/>
+                      </a:cxn>
+                      <a:cxn ang="0">
+                        <a:pos x="connsiteX13" y="connsiteY13"/>
+                      </a:cxn>
+                      <a:cxn ang="0">
+                        <a:pos x="connsiteX14" y="connsiteY14"/>
+                      </a:cxn>
+                      <a:cxn ang="0">
+                        <a:pos x="connsiteX15" y="connsiteY15"/>
+                      </a:cxn>
+                      <a:cxn ang="0">
+                        <a:pos x="connsiteX16" y="connsiteY16"/>
+                      </a:cxn>
+                      <a:cxn ang="0">
+                        <a:pos x="connsiteX17" y="connsiteY17"/>
+                      </a:cxn>
+                      <a:cxn ang="0">
+                        <a:pos x="connsiteX18" y="connsiteY18"/>
+                      </a:cxn>
+                      <a:cxn ang="0">
+                        <a:pos x="connsiteX19" y="connsiteY19"/>
+                      </a:cxn>
+                      <a:cxn ang="0">
+                        <a:pos x="connsiteX20" y="connsiteY20"/>
+                      </a:cxn>
+                      <a:cxn ang="0">
+                        <a:pos x="connsiteX21" y="connsiteY21"/>
+                      </a:cxn>
+                      <a:cxn ang="0">
+                        <a:pos x="connsiteX22" y="connsiteY22"/>
+                      </a:cxn>
+                      <a:cxn ang="0">
+                        <a:pos x="connsiteX23" y="connsiteY23"/>
+                      </a:cxn>
+                      <a:cxn ang="0">
+                        <a:pos x="connsiteX24" y="connsiteY24"/>
+                      </a:cxn>
+                      <a:cxn ang="0">
+                        <a:pos x="connsiteX25" y="connsiteY25"/>
+                      </a:cxn>
+                      <a:cxn ang="0">
+                        <a:pos x="connsiteX26" y="connsiteY26"/>
+                      </a:cxn>
+                      <a:cxn ang="0">
+                        <a:pos x="connsiteX27" y="connsiteY27"/>
+                      </a:cxn>
+                      <a:cxn ang="0">
+                        <a:pos x="connsiteX28" y="connsiteY28"/>
+                      </a:cxn>
+                      <a:cxn ang="0">
+                        <a:pos x="connsiteX29" y="connsiteY29"/>
+                      </a:cxn>
+                      <a:cxn ang="0">
+                        <a:pos x="connsiteX30" y="connsiteY30"/>
+                      </a:cxn>
+                    </a:cxnLst>
+                    <a:rect l="l" t="t" r="r" b="b"/>
+                    <a:pathLst>
+                      <a:path w="2116836" h="6261206" fill="none" extrusionOk="0">
+                        <a:moveTo>
+                          <a:pt x="0" y="0"/>
+                        </a:moveTo>
+                        <a:cubicBezTo>
+                          <a:pt x="225918" y="-34016"/>
+                          <a:pt x="395079" y="44159"/>
+                          <a:pt x="550377" y="0"/>
+                        </a:cubicBezTo>
+                        <a:cubicBezTo>
+                          <a:pt x="705675" y="-44159"/>
+                          <a:pt x="925264" y="18151"/>
+                          <a:pt x="1058418" y="0"/>
+                        </a:cubicBezTo>
+                        <a:cubicBezTo>
+                          <a:pt x="1191572" y="-18151"/>
+                          <a:pt x="1363242" y="33856"/>
+                          <a:pt x="1587627" y="0"/>
+                        </a:cubicBezTo>
+                        <a:cubicBezTo>
+                          <a:pt x="1812012" y="-33856"/>
+                          <a:pt x="1878985" y="29310"/>
+                          <a:pt x="2116836" y="0"/>
+                        </a:cubicBezTo>
+                        <a:cubicBezTo>
+                          <a:pt x="2159368" y="204024"/>
+                          <a:pt x="2101610" y="287280"/>
+                          <a:pt x="2116836" y="443976"/>
+                        </a:cubicBezTo>
+                        <a:cubicBezTo>
+                          <a:pt x="2132062" y="600672"/>
+                          <a:pt x="2115766" y="667996"/>
+                          <a:pt x="2116836" y="825341"/>
+                        </a:cubicBezTo>
+                        <a:cubicBezTo>
+                          <a:pt x="2117906" y="982686"/>
+                          <a:pt x="2077803" y="1120058"/>
+                          <a:pt x="2116836" y="1269317"/>
+                        </a:cubicBezTo>
+                        <a:cubicBezTo>
+                          <a:pt x="2155869" y="1418576"/>
+                          <a:pt x="2114106" y="1588629"/>
+                          <a:pt x="2116836" y="1775906"/>
+                        </a:cubicBezTo>
+                        <a:cubicBezTo>
+                          <a:pt x="2119566" y="1963183"/>
+                          <a:pt x="2101020" y="2128890"/>
+                          <a:pt x="2116836" y="2345106"/>
+                        </a:cubicBezTo>
+                        <a:cubicBezTo>
+                          <a:pt x="2132652" y="2561322"/>
+                          <a:pt x="2115868" y="2574478"/>
+                          <a:pt x="2116836" y="2789083"/>
+                        </a:cubicBezTo>
+                        <a:cubicBezTo>
+                          <a:pt x="2117804" y="3003688"/>
+                          <a:pt x="2062089" y="3302658"/>
+                          <a:pt x="2116836" y="3483507"/>
+                        </a:cubicBezTo>
+                        <a:cubicBezTo>
+                          <a:pt x="2171583" y="3664356"/>
+                          <a:pt x="2101663" y="3831819"/>
+                          <a:pt x="2116836" y="4052708"/>
+                        </a:cubicBezTo>
+                        <a:cubicBezTo>
+                          <a:pt x="2132009" y="4273597"/>
+                          <a:pt x="2055702" y="4456217"/>
+                          <a:pt x="2116836" y="4747133"/>
+                        </a:cubicBezTo>
+                        <a:cubicBezTo>
+                          <a:pt x="2177970" y="5038050"/>
+                          <a:pt x="2068871" y="5192335"/>
+                          <a:pt x="2116836" y="5378945"/>
+                        </a:cubicBezTo>
+                        <a:cubicBezTo>
+                          <a:pt x="2164801" y="5565555"/>
+                          <a:pt x="2064795" y="6030993"/>
+                          <a:pt x="2116836" y="6261206"/>
+                        </a:cubicBezTo>
+                        <a:cubicBezTo>
+                          <a:pt x="1928233" y="6278718"/>
+                          <a:pt x="1685770" y="6219426"/>
+                          <a:pt x="1566459" y="6261206"/>
+                        </a:cubicBezTo>
+                        <a:cubicBezTo>
+                          <a:pt x="1447148" y="6302986"/>
+                          <a:pt x="1203439" y="6244651"/>
+                          <a:pt x="1016081" y="6261206"/>
+                        </a:cubicBezTo>
+                        <a:cubicBezTo>
+                          <a:pt x="828723" y="6277761"/>
+                          <a:pt x="593713" y="6201409"/>
+                          <a:pt x="486872" y="6261206"/>
+                        </a:cubicBezTo>
+                        <a:cubicBezTo>
+                          <a:pt x="380031" y="6321003"/>
+                          <a:pt x="120721" y="6219335"/>
+                          <a:pt x="0" y="6261206"/>
+                        </a:cubicBezTo>
+                        <a:cubicBezTo>
+                          <a:pt x="-22346" y="6029246"/>
+                          <a:pt x="71141" y="5860547"/>
+                          <a:pt x="0" y="5566781"/>
+                        </a:cubicBezTo>
+                        <a:cubicBezTo>
+                          <a:pt x="-71141" y="5273016"/>
+                          <a:pt x="69428" y="5078049"/>
+                          <a:pt x="0" y="4872357"/>
+                        </a:cubicBezTo>
+                        <a:cubicBezTo>
+                          <a:pt x="-69428" y="4666665"/>
+                          <a:pt x="63076" y="4570884"/>
+                          <a:pt x="0" y="4303156"/>
+                        </a:cubicBezTo>
+                        <a:cubicBezTo>
+                          <a:pt x="-63076" y="4035428"/>
+                          <a:pt x="32504" y="3819356"/>
+                          <a:pt x="0" y="3671344"/>
+                        </a:cubicBezTo>
+                        <a:cubicBezTo>
+                          <a:pt x="-32504" y="3523332"/>
+                          <a:pt x="17503" y="3348248"/>
+                          <a:pt x="0" y="3102143"/>
+                        </a:cubicBezTo>
+                        <a:cubicBezTo>
+                          <a:pt x="-17503" y="2856038"/>
+                          <a:pt x="21591" y="2763441"/>
+                          <a:pt x="0" y="2532942"/>
+                        </a:cubicBezTo>
+                        <a:cubicBezTo>
+                          <a:pt x="-21591" y="2302443"/>
+                          <a:pt x="68254" y="2235060"/>
+                          <a:pt x="0" y="1963742"/>
+                        </a:cubicBezTo>
+                        <a:cubicBezTo>
+                          <a:pt x="-68254" y="1692424"/>
+                          <a:pt x="10005" y="1754039"/>
+                          <a:pt x="0" y="1582378"/>
+                        </a:cubicBezTo>
+                        <a:cubicBezTo>
+                          <a:pt x="-10005" y="1410717"/>
+                          <a:pt x="60088" y="1252307"/>
+                          <a:pt x="0" y="950565"/>
+                        </a:cubicBezTo>
+                        <a:cubicBezTo>
+                          <a:pt x="-60088" y="648823"/>
+                          <a:pt x="43154" y="738812"/>
+                          <a:pt x="0" y="569201"/>
+                        </a:cubicBezTo>
+                        <a:cubicBezTo>
+                          <a:pt x="-43154" y="399590"/>
+                          <a:pt x="3087" y="259507"/>
+                          <a:pt x="0" y="0"/>
+                        </a:cubicBezTo>
+                        <a:close/>
+                      </a:path>
+                      <a:path w="2116836" h="6261206" stroke="0" extrusionOk="0">
+                        <a:moveTo>
+                          <a:pt x="0" y="0"/>
+                        </a:moveTo>
+                        <a:cubicBezTo>
+                          <a:pt x="194979" y="-17842"/>
+                          <a:pt x="275613" y="24047"/>
+                          <a:pt x="508041" y="0"/>
+                        </a:cubicBezTo>
+                        <a:cubicBezTo>
+                          <a:pt x="740469" y="-24047"/>
+                          <a:pt x="797934" y="16205"/>
+                          <a:pt x="973745" y="0"/>
+                        </a:cubicBezTo>
+                        <a:cubicBezTo>
+                          <a:pt x="1149556" y="-16205"/>
+                          <a:pt x="1311326" y="51706"/>
+                          <a:pt x="1545290" y="0"/>
+                        </a:cubicBezTo>
+                        <a:cubicBezTo>
+                          <a:pt x="1779254" y="-51706"/>
+                          <a:pt x="1839294" y="59057"/>
+                          <a:pt x="2116836" y="0"/>
+                        </a:cubicBezTo>
+                        <a:cubicBezTo>
+                          <a:pt x="2125097" y="190710"/>
+                          <a:pt x="2113017" y="356820"/>
+                          <a:pt x="2116836" y="506588"/>
+                        </a:cubicBezTo>
+                        <a:cubicBezTo>
+                          <a:pt x="2120655" y="656356"/>
+                          <a:pt x="2081267" y="797988"/>
+                          <a:pt x="2116836" y="950565"/>
+                        </a:cubicBezTo>
+                        <a:cubicBezTo>
+                          <a:pt x="2152405" y="1103142"/>
+                          <a:pt x="2084051" y="1404827"/>
+                          <a:pt x="2116836" y="1519765"/>
+                        </a:cubicBezTo>
+                        <a:cubicBezTo>
+                          <a:pt x="2149621" y="1634703"/>
+                          <a:pt x="2108642" y="1816681"/>
+                          <a:pt x="2116836" y="2088966"/>
+                        </a:cubicBezTo>
+                        <a:cubicBezTo>
+                          <a:pt x="2125030" y="2361251"/>
+                          <a:pt x="2083755" y="2326902"/>
+                          <a:pt x="2116836" y="2532942"/>
+                        </a:cubicBezTo>
+                        <a:cubicBezTo>
+                          <a:pt x="2149917" y="2738982"/>
+                          <a:pt x="2084942" y="2880121"/>
+                          <a:pt x="2116836" y="2976919"/>
+                        </a:cubicBezTo>
+                        <a:cubicBezTo>
+                          <a:pt x="2148730" y="3073717"/>
+                          <a:pt x="2066025" y="3261988"/>
+                          <a:pt x="2116836" y="3546119"/>
+                        </a:cubicBezTo>
+                        <a:cubicBezTo>
+                          <a:pt x="2167647" y="3830250"/>
+                          <a:pt x="2056171" y="3975028"/>
+                          <a:pt x="2116836" y="4177932"/>
+                        </a:cubicBezTo>
+                        <a:cubicBezTo>
+                          <a:pt x="2177501" y="4380836"/>
+                          <a:pt x="2110320" y="4401695"/>
+                          <a:pt x="2116836" y="4559296"/>
+                        </a:cubicBezTo>
+                        <a:cubicBezTo>
+                          <a:pt x="2123352" y="4716897"/>
+                          <a:pt x="2106247" y="4909785"/>
+                          <a:pt x="2116836" y="5128497"/>
+                        </a:cubicBezTo>
+                        <a:cubicBezTo>
+                          <a:pt x="2127425" y="5347209"/>
+                          <a:pt x="2070713" y="5463623"/>
+                          <a:pt x="2116836" y="5697697"/>
+                        </a:cubicBezTo>
+                        <a:cubicBezTo>
+                          <a:pt x="2162959" y="5931771"/>
+                          <a:pt x="2065839" y="5991022"/>
+                          <a:pt x="2116836" y="6261206"/>
+                        </a:cubicBezTo>
+                        <a:cubicBezTo>
+                          <a:pt x="1993577" y="6323026"/>
+                          <a:pt x="1833543" y="6207492"/>
+                          <a:pt x="1566459" y="6261206"/>
+                        </a:cubicBezTo>
+                        <a:cubicBezTo>
+                          <a:pt x="1299375" y="6314920"/>
+                          <a:pt x="1184532" y="6197961"/>
+                          <a:pt x="1037250" y="6261206"/>
+                        </a:cubicBezTo>
+                        <a:cubicBezTo>
+                          <a:pt x="889968" y="6324451"/>
+                          <a:pt x="675538" y="6260177"/>
+                          <a:pt x="571546" y="6261206"/>
+                        </a:cubicBezTo>
+                        <a:cubicBezTo>
+                          <a:pt x="467554" y="6262235"/>
+                          <a:pt x="125534" y="6241738"/>
+                          <a:pt x="0" y="6261206"/>
+                        </a:cubicBezTo>
+                        <a:cubicBezTo>
+                          <a:pt x="-57040" y="6099636"/>
+                          <a:pt x="2135" y="5712203"/>
+                          <a:pt x="0" y="5566781"/>
+                        </a:cubicBezTo>
+                        <a:cubicBezTo>
+                          <a:pt x="-2135" y="5421359"/>
+                          <a:pt x="37294" y="5021150"/>
+                          <a:pt x="0" y="4872357"/>
+                        </a:cubicBezTo>
+                        <a:cubicBezTo>
+                          <a:pt x="-37294" y="4723564"/>
+                          <a:pt x="7798" y="4522358"/>
+                          <a:pt x="0" y="4303156"/>
+                        </a:cubicBezTo>
+                        <a:cubicBezTo>
+                          <a:pt x="-7798" y="4083954"/>
+                          <a:pt x="58613" y="4042155"/>
+                          <a:pt x="0" y="3796568"/>
+                        </a:cubicBezTo>
+                        <a:cubicBezTo>
+                          <a:pt x="-58613" y="3550981"/>
+                          <a:pt x="26008" y="3516111"/>
+                          <a:pt x="0" y="3415203"/>
+                        </a:cubicBezTo>
+                        <a:cubicBezTo>
+                          <a:pt x="-26008" y="3314296"/>
+                          <a:pt x="40033" y="3189905"/>
+                          <a:pt x="0" y="3033839"/>
+                        </a:cubicBezTo>
+                        <a:cubicBezTo>
+                          <a:pt x="-40033" y="2877773"/>
+                          <a:pt x="40622" y="2657965"/>
+                          <a:pt x="0" y="2402026"/>
+                        </a:cubicBezTo>
+                        <a:cubicBezTo>
+                          <a:pt x="-40622" y="2146087"/>
+                          <a:pt x="50341" y="2089474"/>
+                          <a:pt x="0" y="1958050"/>
+                        </a:cubicBezTo>
+                        <a:cubicBezTo>
+                          <a:pt x="-50341" y="1826626"/>
+                          <a:pt x="11843" y="1502672"/>
+                          <a:pt x="0" y="1263625"/>
+                        </a:cubicBezTo>
+                        <a:cubicBezTo>
+                          <a:pt x="-11843" y="1024579"/>
+                          <a:pt x="9227" y="897968"/>
+                          <a:pt x="0" y="757037"/>
+                        </a:cubicBezTo>
+                        <a:cubicBezTo>
+                          <a:pt x="-9227" y="616106"/>
+                          <a:pt x="36062" y="292523"/>
+                          <a:pt x="0" y="0"/>
+                        </a:cubicBezTo>
+                        <a:close/>
+                      </a:path>
+                    </a:pathLst>
+                  </a:custGeom>
+                  <ask:type>
+                    <ask:lineSketchNone/>
+                  </ask:type>
+                </ask:lineSketchStyleProps>
+              </a:ext>
+            </a:extLst>
+          </a:ln>
+          <a:effectLst>
+            <a:outerShdw blurRad="50800" dist="38100" dir="2700000" algn="tl" rotWithShape="0">
+              <a:prstClr val="black">
+                <a:alpha val="18000"/>
+              </a:prstClr>
+            </a:outerShdw>
+          </a:effectLst>
+        </p:spPr>
+        <p:style>
+          <a:lnRef idx="0">
+            <a:scrgbClr r="0" g="0" b="0"/>
+          </a:lnRef>
+          <a:fillRef idx="0">
+            <a:scrgbClr r="0" g="0" b="0"/>
+          </a:fillRef>
+          <a:effectRef idx="0">
+            <a:scrgbClr r="0" g="0" b="0"/>
+          </a:effectRef>
+          <a:fontRef idx="minor">
+            <a:schemeClr val="lt1"/>
+          </a:fontRef>
+        </p:style>
+        <p:txBody>
+          <a:bodyPr rtlCol="0" anchor="ctr"/>
+          <a:lstStyle/>
+          <a:p>
+            <a:pPr algn="ctr"/>
+            <a:endParaRPr lang="en-US" b="1" spc="50" dirty="0">
+              <a:ln w="0"/>
+              <a:solidFill>
+                <a:schemeClr val="bg2"/>
+              </a:solidFill>
+              <a:effectLst>
+                <a:innerShdw blurRad="63500" dist="50800" dir="13500000">
+                  <a:srgbClr val="000000">
+                    <a:alpha val="50000"/>
+                  </a:srgbClr>
+                </a:innerShdw>
+              </a:effectLst>
+              <a:latin typeface="Arial Nova" panose="020B0504020202020204" pitchFamily="34" charset="0"/>
+            </a:endParaRPr>
+          </a:p>
+        </p:txBody>
+      </p:sp>
+      <p:sp>
+        <p:nvSpPr>
+          <p:cNvPr id="8" name="Rectangle 7">
+            <a:extLst>
+              <a:ext uri="{FF2B5EF4-FFF2-40B4-BE49-F238E27FC236}">
+                <a16:creationId xmlns:a16="http://schemas.microsoft.com/office/drawing/2014/main" id="{079448C9-2A66-4E3B-AAC2-8BB995AF1DB0}"/>
+              </a:ext>
+            </a:extLst>
+          </p:cNvPr>
+          <p:cNvSpPr/>
+          <p:nvPr/>
+        </p:nvSpPr>
+        <p:spPr>
+          <a:xfrm>
+            <a:off x="122045" y="816350"/>
+            <a:ext cx="1577446" cy="2031325"/>
+          </a:xfrm>
+          <a:prstGeom prst="rect">
+            <a:avLst/>
+          </a:prstGeom>
+        </p:spPr>
+        <p:txBody>
+          <a:bodyPr wrap="square">
+            <a:spAutoFit/>
+          </a:bodyPr>
+          <a:lstStyle/>
+          <a:p>
+            <a:r>
+              <a:rPr lang="en-US" sz="1600" i="0" u="none" strike="noStrike" dirty="0">
+                <a:effectLst/>
+                <a:latin typeface="Arial Nova" panose="020F0502020204030204" pitchFamily="34" charset="0"/>
+              </a:rPr>
+              <a:t>Outline</a:t>
+            </a:r>
+          </a:p>
+          <a:p>
+            <a:pPr marL="171450" indent="-171450">
+              <a:buFont typeface="Arial" panose="020B0604020202020204" pitchFamily="34" charset="0"/>
+              <a:buChar char="•"/>
+            </a:pPr>
+            <a:r>
+              <a:rPr lang="en-US" sz="1200" dirty="0">
+                <a:latin typeface="Arial Nova" panose="020F0502020204030204" pitchFamily="34" charset="0"/>
+              </a:rPr>
+              <a:t>Program</a:t>
+            </a:r>
+          </a:p>
+          <a:p>
+            <a:pPr marL="171450" indent="-171450">
+              <a:buFont typeface="Arial" panose="020B0604020202020204" pitchFamily="34" charset="0"/>
+              <a:buChar char="•"/>
+            </a:pPr>
+            <a:r>
+              <a:rPr lang="en-US" sz="1200" dirty="0">
+                <a:latin typeface="Arial Nova" panose="020F0502020204030204" pitchFamily="34" charset="0"/>
+              </a:rPr>
+              <a:t>Introduction</a:t>
+            </a:r>
+          </a:p>
+          <a:p>
+            <a:pPr marL="171450" indent="-171450">
+              <a:buFont typeface="Arial" panose="020B0604020202020204" pitchFamily="34" charset="0"/>
+              <a:buChar char="•"/>
+            </a:pPr>
+            <a:r>
+              <a:rPr lang="en-US" sz="1200" dirty="0">
+                <a:latin typeface="Arial Nova" panose="020F0502020204030204" pitchFamily="34" charset="0"/>
+              </a:rPr>
+              <a:t>Simulator</a:t>
+            </a:r>
+          </a:p>
+          <a:p>
+            <a:pPr marL="171450" indent="-171450">
+              <a:buFont typeface="Arial" panose="020B0604020202020204" pitchFamily="34" charset="0"/>
+              <a:buChar char="•"/>
+            </a:pPr>
+            <a:r>
+              <a:rPr lang="en-US" sz="1200" dirty="0">
+                <a:latin typeface="Arial Nova" panose="020F0502020204030204" pitchFamily="34" charset="0"/>
+              </a:rPr>
+              <a:t>Tracking</a:t>
+            </a:r>
+          </a:p>
+          <a:p>
+            <a:pPr marL="171450" indent="-171450">
+              <a:buFont typeface="Arial" panose="020B0604020202020204" pitchFamily="34" charset="0"/>
+              <a:buChar char="•"/>
+            </a:pPr>
+            <a:r>
+              <a:rPr lang="en-US" sz="1200" dirty="0">
+                <a:latin typeface="Arial Nova" panose="020F0502020204030204" pitchFamily="34" charset="0"/>
+              </a:rPr>
+              <a:t>Diffusion</a:t>
+            </a:r>
+          </a:p>
+          <a:p>
+            <a:pPr marL="171450" indent="-171450">
+              <a:buFont typeface="Arial" panose="020B0604020202020204" pitchFamily="34" charset="0"/>
+              <a:buChar char="•"/>
+            </a:pPr>
+            <a:r>
+              <a:rPr lang="en-US" sz="1200" dirty="0">
+                <a:latin typeface="Arial Nova" panose="020F0502020204030204" pitchFamily="34" charset="0"/>
+              </a:rPr>
+              <a:t>Complex Scenarios</a:t>
+            </a:r>
+          </a:p>
+          <a:p>
+            <a:pPr marL="171450" indent="-171450">
+              <a:buFont typeface="Arial" panose="020B0604020202020204" pitchFamily="34" charset="0"/>
+              <a:buChar char="•"/>
+            </a:pPr>
+            <a:r>
+              <a:rPr lang="en-US" sz="1200" b="1" dirty="0">
+                <a:latin typeface="Arial Nova" panose="020F0502020204030204" pitchFamily="34" charset="0"/>
+              </a:rPr>
+              <a:t>Libraries</a:t>
+            </a:r>
+          </a:p>
+          <a:p>
+            <a:endParaRPr lang="en-US" sz="1400" i="0" u="none" strike="noStrike" dirty="0">
+              <a:effectLst/>
+              <a:latin typeface="Arial Nova" panose="020F0502020204030204" pitchFamily="34" charset="0"/>
+            </a:endParaRPr>
+          </a:p>
+        </p:txBody>
+      </p:sp>
+      <p:pic>
+        <p:nvPicPr>
+          <p:cNvPr id="10" name="Picture 9">
+            <a:extLst>
+              <a:ext uri="{FF2B5EF4-FFF2-40B4-BE49-F238E27FC236}">
+                <a16:creationId xmlns:a16="http://schemas.microsoft.com/office/drawing/2014/main" id="{7080CC45-DDC1-1F41-960F-837F24A45FEB}"/>
+              </a:ext>
+            </a:extLst>
+          </p:cNvPr>
+          <p:cNvPicPr>
+            <a:picLocks noChangeAspect="1"/>
+          </p:cNvPicPr>
+          <p:nvPr/>
+        </p:nvPicPr>
+        <p:blipFill rotWithShape="1">
+          <a:blip r:embed="rId3"/>
+          <a:srcRect t="38300" r="66379"/>
+          <a:stretch/>
+        </p:blipFill>
+        <p:spPr>
+          <a:xfrm>
+            <a:off x="2012750" y="2325345"/>
+            <a:ext cx="2502294" cy="2435261"/>
+          </a:xfrm>
+          <a:prstGeom prst="rect">
+            <a:avLst/>
+          </a:prstGeom>
+        </p:spPr>
+      </p:pic>
+      <p:pic>
+        <p:nvPicPr>
+          <p:cNvPr id="24" name="Picture 23">
+            <a:extLst>
+              <a:ext uri="{FF2B5EF4-FFF2-40B4-BE49-F238E27FC236}">
+                <a16:creationId xmlns:a16="http://schemas.microsoft.com/office/drawing/2014/main" id="{3D0ABA32-710C-6D4D-9A37-93690E9C2CA6}"/>
+              </a:ext>
+            </a:extLst>
+          </p:cNvPr>
+          <p:cNvPicPr>
+            <a:picLocks noChangeAspect="1"/>
+          </p:cNvPicPr>
+          <p:nvPr/>
+        </p:nvPicPr>
+        <p:blipFill rotWithShape="1">
+          <a:blip r:embed="rId3"/>
+          <a:srcRect l="66089" t="38300" r="1486"/>
+          <a:stretch/>
+        </p:blipFill>
+        <p:spPr>
+          <a:xfrm>
+            <a:off x="6108204" y="2246639"/>
+            <a:ext cx="2411760" cy="2433732"/>
+          </a:xfrm>
+          <a:prstGeom prst="rect">
+            <a:avLst/>
+          </a:prstGeom>
+        </p:spPr>
+      </p:pic>
+      <p:cxnSp>
+        <p:nvCxnSpPr>
+          <p:cNvPr id="25" name="Straight Arrow Connector 24">
+            <a:extLst>
+              <a:ext uri="{FF2B5EF4-FFF2-40B4-BE49-F238E27FC236}">
+                <a16:creationId xmlns:a16="http://schemas.microsoft.com/office/drawing/2014/main" id="{17865860-E31D-F94E-B817-E548545A30C0}"/>
+              </a:ext>
+            </a:extLst>
+          </p:cNvPr>
+          <p:cNvCxnSpPr>
+            <a:cxnSpLocks/>
+          </p:cNvCxnSpPr>
+          <p:nvPr/>
+        </p:nvCxnSpPr>
+        <p:spPr>
+          <a:xfrm>
+            <a:off x="4877940" y="3581154"/>
+            <a:ext cx="1049736" cy="0"/>
+          </a:xfrm>
+          <a:prstGeom prst="straightConnector1">
+            <a:avLst/>
+          </a:prstGeom>
+          <a:ln w="38100">
+            <a:solidFill>
+              <a:srgbClr val="DC348C"/>
+            </a:solidFill>
+            <a:tailEnd type="triangle"/>
+          </a:ln>
+        </p:spPr>
+        <p:style>
+          <a:lnRef idx="1">
+            <a:schemeClr val="accent1"/>
+          </a:lnRef>
+          <a:fillRef idx="0">
+            <a:schemeClr val="accent1"/>
+          </a:fillRef>
+          <a:effectRef idx="0">
+            <a:schemeClr val="accent1"/>
+          </a:effectRef>
+          <a:fontRef idx="minor">
+            <a:schemeClr val="tx1"/>
+          </a:fontRef>
+        </p:style>
+      </p:cxnSp>
+      <p:pic>
+        <p:nvPicPr>
+          <p:cNvPr id="26" name="Graphic 25" descr="Programmer female with solid fill">
+            <a:extLst>
+              <a:ext uri="{FF2B5EF4-FFF2-40B4-BE49-F238E27FC236}">
+                <a16:creationId xmlns:a16="http://schemas.microsoft.com/office/drawing/2014/main" id="{5D44253A-FC8C-B445-A6B8-4C50A4614364}"/>
+              </a:ext>
+            </a:extLst>
+          </p:cNvPr>
+          <p:cNvPicPr>
+            <a:picLocks noChangeAspect="1"/>
+          </p:cNvPicPr>
+          <p:nvPr/>
+        </p:nvPicPr>
+        <p:blipFill>
+          <a:blip r:embed="rId4">
+            <a:extLst>
+              <a:ext uri="{96DAC541-7B7A-43D3-8B79-37D633B846F1}">
+                <asvg:svgBlip xmlns:asvg="http://schemas.microsoft.com/office/drawing/2016/SVG/main" r:embed="rId5"/>
+              </a:ext>
+            </a:extLst>
+          </a:blip>
+          <a:stretch>
+            <a:fillRect/>
+          </a:stretch>
+        </p:blipFill>
+        <p:spPr>
+          <a:xfrm>
+            <a:off x="4892935" y="2549105"/>
+            <a:ext cx="914400" cy="914400"/>
+          </a:xfrm>
+          <a:prstGeom prst="rect">
+            <a:avLst/>
+          </a:prstGeom>
+        </p:spPr>
+      </p:pic>
+      <p:sp>
+        <p:nvSpPr>
+          <p:cNvPr id="27" name="TextBox 26">
+            <a:extLst>
+              <a:ext uri="{FF2B5EF4-FFF2-40B4-BE49-F238E27FC236}">
+                <a16:creationId xmlns:a16="http://schemas.microsoft.com/office/drawing/2014/main" id="{46D0DCD7-9CA7-FE43-985A-74ED897ACAE6}"/>
+              </a:ext>
+            </a:extLst>
+          </p:cNvPr>
+          <p:cNvSpPr txBox="1"/>
+          <p:nvPr/>
+        </p:nvSpPr>
+        <p:spPr>
+          <a:xfrm>
+            <a:off x="4515044" y="3845252"/>
+            <a:ext cx="1640193" cy="646331"/>
+          </a:xfrm>
+          <a:prstGeom prst="rect">
+            <a:avLst/>
+          </a:prstGeom>
+          <a:noFill/>
+        </p:spPr>
+        <p:txBody>
+          <a:bodyPr wrap="none" rtlCol="0">
+            <a:spAutoFit/>
+          </a:bodyPr>
+          <a:lstStyle/>
+          <a:p>
+            <a:pPr algn="ctr"/>
+            <a:r>
+              <a:rPr lang="en-US" b="1" dirty="0">
+                <a:solidFill>
+                  <a:srgbClr val="22289A"/>
+                </a:solidFill>
+                <a:latin typeface="Roboto" panose="02000000000000000000" pitchFamily="2" charset="0"/>
+                <a:ea typeface="Roboto" panose="02000000000000000000" pitchFamily="2" charset="0"/>
+              </a:rPr>
+              <a:t>Segmentation</a:t>
+            </a:r>
+          </a:p>
+          <a:p>
+            <a:pPr algn="ctr"/>
+            <a:r>
+              <a:rPr lang="en-US" b="1" dirty="0">
+                <a:solidFill>
+                  <a:srgbClr val="22289A"/>
+                </a:solidFill>
+                <a:latin typeface="Roboto" panose="02000000000000000000" pitchFamily="2" charset="0"/>
+                <a:ea typeface="Roboto" panose="02000000000000000000" pitchFamily="2" charset="0"/>
+              </a:rPr>
+              <a:t>Tracking</a:t>
+            </a:r>
+          </a:p>
+        </p:txBody>
+      </p:sp>
+      <p:pic>
+        <p:nvPicPr>
+          <p:cNvPr id="28" name="Graphic 27" descr="Bar chart outline">
+            <a:extLst>
+              <a:ext uri="{FF2B5EF4-FFF2-40B4-BE49-F238E27FC236}">
+                <a16:creationId xmlns:a16="http://schemas.microsoft.com/office/drawing/2014/main" id="{B5BE0C1B-2F07-8C4E-8290-A56E0B0A3CB7}"/>
+              </a:ext>
+            </a:extLst>
+          </p:cNvPr>
+          <p:cNvPicPr>
+            <a:picLocks noChangeAspect="1"/>
+          </p:cNvPicPr>
+          <p:nvPr/>
+        </p:nvPicPr>
+        <p:blipFill>
+          <a:blip r:embed="rId6">
+            <a:extLst>
+              <a:ext uri="{96DAC541-7B7A-43D3-8B79-37D633B846F1}">
+                <asvg:svgBlip xmlns:asvg="http://schemas.microsoft.com/office/drawing/2016/SVG/main" r:embed="rId7"/>
+              </a:ext>
+            </a:extLst>
+          </a:blip>
+          <a:stretch>
+            <a:fillRect/>
+          </a:stretch>
+        </p:blipFill>
+        <p:spPr>
+          <a:xfrm>
+            <a:off x="9744990" y="2532195"/>
+            <a:ext cx="1632894" cy="1632894"/>
+          </a:xfrm>
+          <a:prstGeom prst="rect">
+            <a:avLst/>
+          </a:prstGeom>
+        </p:spPr>
+      </p:pic>
+      <p:cxnSp>
+        <p:nvCxnSpPr>
+          <p:cNvPr id="29" name="Straight Arrow Connector 28">
+            <a:extLst>
+              <a:ext uri="{FF2B5EF4-FFF2-40B4-BE49-F238E27FC236}">
+                <a16:creationId xmlns:a16="http://schemas.microsoft.com/office/drawing/2014/main" id="{2DF080FA-9B77-D44E-8031-B40157F31047}"/>
+              </a:ext>
+            </a:extLst>
+          </p:cNvPr>
+          <p:cNvCxnSpPr>
+            <a:cxnSpLocks/>
+          </p:cNvCxnSpPr>
+          <p:nvPr/>
+        </p:nvCxnSpPr>
+        <p:spPr>
+          <a:xfrm>
+            <a:off x="8664189" y="3581154"/>
+            <a:ext cx="1049736" cy="0"/>
+          </a:xfrm>
+          <a:prstGeom prst="straightConnector1">
+            <a:avLst/>
+          </a:prstGeom>
+          <a:ln w="38100">
+            <a:solidFill>
+              <a:srgbClr val="DC348C"/>
+            </a:solidFill>
+            <a:tailEnd type="triangle"/>
+          </a:ln>
+        </p:spPr>
+        <p:style>
+          <a:lnRef idx="1">
+            <a:schemeClr val="accent1"/>
+          </a:lnRef>
+          <a:fillRef idx="0">
+            <a:schemeClr val="accent1"/>
+          </a:fillRef>
+          <a:effectRef idx="0">
+            <a:schemeClr val="accent1"/>
+          </a:effectRef>
+          <a:fontRef idx="minor">
+            <a:schemeClr val="tx1"/>
+          </a:fontRef>
+        </p:style>
+      </p:cxnSp>
+      <p:sp>
+        <p:nvSpPr>
+          <p:cNvPr id="30" name="TextBox 29">
+            <a:extLst>
+              <a:ext uri="{FF2B5EF4-FFF2-40B4-BE49-F238E27FC236}">
+                <a16:creationId xmlns:a16="http://schemas.microsoft.com/office/drawing/2014/main" id="{80AC0CDF-EB1E-F94E-8AED-F59727100983}"/>
+              </a:ext>
+            </a:extLst>
+          </p:cNvPr>
+          <p:cNvSpPr txBox="1"/>
+          <p:nvPr/>
+        </p:nvSpPr>
+        <p:spPr>
+          <a:xfrm>
+            <a:off x="9646407" y="3965958"/>
+            <a:ext cx="1837362" cy="369332"/>
+          </a:xfrm>
+          <a:prstGeom prst="rect">
+            <a:avLst/>
+          </a:prstGeom>
+          <a:noFill/>
+        </p:spPr>
+        <p:txBody>
+          <a:bodyPr wrap="none" rtlCol="0">
+            <a:spAutoFit/>
+          </a:bodyPr>
+          <a:lstStyle/>
+          <a:p>
+            <a:pPr algn="ctr"/>
+            <a:r>
+              <a:rPr lang="en-US" b="1" dirty="0">
+                <a:solidFill>
+                  <a:srgbClr val="22289A"/>
+                </a:solidFill>
+                <a:latin typeface="Roboto" panose="02000000000000000000" pitchFamily="2" charset="0"/>
+                <a:ea typeface="Roboto" panose="02000000000000000000" pitchFamily="2" charset="0"/>
+              </a:rPr>
+              <a:t>Data generation</a:t>
+            </a:r>
+          </a:p>
+        </p:txBody>
+      </p:sp>
+      <p:pic>
+        <p:nvPicPr>
+          <p:cNvPr id="31" name="Graphic 30" descr="Programmer female with solid fill">
+            <a:extLst>
+              <a:ext uri="{FF2B5EF4-FFF2-40B4-BE49-F238E27FC236}">
+                <a16:creationId xmlns:a16="http://schemas.microsoft.com/office/drawing/2014/main" id="{1BABF905-59A3-9B41-806A-51D1DB16150E}"/>
+              </a:ext>
+            </a:extLst>
+          </p:cNvPr>
+          <p:cNvPicPr>
+            <a:picLocks noChangeAspect="1"/>
+          </p:cNvPicPr>
+          <p:nvPr/>
+        </p:nvPicPr>
+        <p:blipFill>
+          <a:blip r:embed="rId4">
+            <a:extLst>
+              <a:ext uri="{96DAC541-7B7A-43D3-8B79-37D633B846F1}">
+                <asvg:svgBlip xmlns:asvg="http://schemas.microsoft.com/office/drawing/2016/SVG/main" r:embed="rId5"/>
+              </a:ext>
+            </a:extLst>
+          </a:blip>
+          <a:stretch>
+            <a:fillRect/>
+          </a:stretch>
+        </p:blipFill>
+        <p:spPr>
+          <a:xfrm>
+            <a:off x="8731857" y="2549105"/>
+            <a:ext cx="914400" cy="914400"/>
+          </a:xfrm>
+          <a:prstGeom prst="rect">
+            <a:avLst/>
+          </a:prstGeom>
+        </p:spPr>
+      </p:pic>
+      <p:sp>
+        <p:nvSpPr>
+          <p:cNvPr id="32" name="Rectangle 31">
+            <a:extLst>
+              <a:ext uri="{FF2B5EF4-FFF2-40B4-BE49-F238E27FC236}">
+                <a16:creationId xmlns:a16="http://schemas.microsoft.com/office/drawing/2014/main" id="{6AEFEFC3-6CF8-3049-8A85-0CB09C217F44}"/>
+              </a:ext>
+            </a:extLst>
+          </p:cNvPr>
+          <p:cNvSpPr/>
+          <p:nvPr/>
+        </p:nvSpPr>
+        <p:spPr>
+          <a:xfrm>
+            <a:off x="1876721" y="1216459"/>
+            <a:ext cx="10098284" cy="523220"/>
+          </a:xfrm>
+          <a:prstGeom prst="rect">
+            <a:avLst/>
+          </a:prstGeom>
+          <a:noFill/>
+        </p:spPr>
+        <p:txBody>
+          <a:bodyPr wrap="square">
+            <a:spAutoFit/>
+          </a:bodyPr>
+          <a:lstStyle/>
+          <a:p>
+            <a:r>
+              <a:rPr lang="en-US" sz="2800" b="1" dirty="0">
+                <a:solidFill>
+                  <a:srgbClr val="22289A"/>
+                </a:solidFill>
+              </a:rPr>
+              <a:t>Robust pipeline for particle tracking</a:t>
+            </a:r>
+          </a:p>
+        </p:txBody>
+      </p:sp>
+      <p:pic>
+        <p:nvPicPr>
+          <p:cNvPr id="33" name="Graphic 32" descr="Microscope with solid fill">
+            <a:extLst>
+              <a:ext uri="{FF2B5EF4-FFF2-40B4-BE49-F238E27FC236}">
+                <a16:creationId xmlns:a16="http://schemas.microsoft.com/office/drawing/2014/main" id="{F299CB5B-0F8C-9547-93BA-33CD39AB70BF}"/>
+              </a:ext>
+            </a:extLst>
+          </p:cNvPr>
+          <p:cNvPicPr>
+            <a:picLocks noChangeAspect="1"/>
+          </p:cNvPicPr>
+          <p:nvPr/>
+        </p:nvPicPr>
+        <p:blipFill>
+          <a:blip r:embed="rId8">
+            <a:extLst>
+              <a:ext uri="{96DAC541-7B7A-43D3-8B79-37D633B846F1}">
+                <asvg:svgBlip xmlns:asvg="http://schemas.microsoft.com/office/drawing/2016/SVG/main" r:embed="rId9"/>
+              </a:ext>
+            </a:extLst>
+          </a:blip>
+          <a:stretch>
+            <a:fillRect/>
+          </a:stretch>
+        </p:blipFill>
+        <p:spPr>
+          <a:xfrm>
+            <a:off x="3865279" y="1675579"/>
+            <a:ext cx="649765" cy="649765"/>
+          </a:xfrm>
+          <a:prstGeom prst="rect">
+            <a:avLst/>
+          </a:prstGeom>
+        </p:spPr>
+      </p:pic>
+    </p:spTree>
+    <p:extLst>
+      <p:ext uri="{BB962C8B-B14F-4D97-AF65-F5344CB8AC3E}">
+        <p14:creationId xmlns:p14="http://schemas.microsoft.com/office/powerpoint/2010/main" val="4001946352"/>
       </p:ext>
     </p:extLst>
   </p:cSld>
